--- a/docs/part2os/10_Permissions/OS_Lecture_10.pptx
+++ b/docs/part2os/10_Permissions/OS_Lecture_10.pptx
@@ -130,7 +130,7 @@
   </p:defaultTextStyle>
   <p:extLst>
     <p:ext uri="{EFAFB233-063F-42B5-8137-9DF3F51BA10A}">
-      <p15:sldGuideLst xmlns:p15="http://schemas.microsoft.com/office/powerpoint/2012/main">
+      <p15:sldGuideLst xmlns:p15="http://schemas.microsoft.com/office/powerpoint/2012/main" xmlns="">
         <p15:guide id="1" orient="horz" pos="2160">
           <p15:clr>
             <a:srgbClr val="A4A3A4"/>
@@ -144,7 +144,7 @@
       </p15:sldGuideLst>
     </p:ext>
     <p:ext uri="{2D200454-40CA-4A62-9FC3-DE9A4176ACB9}">
-      <p15:notesGuideLst xmlns:p15="http://schemas.microsoft.com/office/powerpoint/2012/main">
+      <p15:notesGuideLst xmlns:p15="http://schemas.microsoft.com/office/powerpoint/2012/main" xmlns="">
         <p15:guide id="1" orient="horz" pos="2880">
           <p15:clr>
             <a:srgbClr val="A4A3A4"/>
@@ -252,7 +252,7 @@
             <a:fld id="{D0106195-8D78-4F6F-B8E4-FA67975ACEF5}" type="datetimeFigureOut">
               <a:rPr lang="ru-RU" smtClean="0"/>
               <a:pPr/>
-              <a:t>24.05.2021</a:t>
+              <a:t>22.04.2025</a:t>
             </a:fld>
             <a:endParaRPr lang="ru-RU"/>
           </a:p>
@@ -328,7 +328,7 @@
     </p:spTree>
     <p:extLst>
       <p:ext uri="{BB962C8B-B14F-4D97-AF65-F5344CB8AC3E}">
-        <p14:creationId xmlns:p14="http://schemas.microsoft.com/office/powerpoint/2010/main" val="827279973"/>
+        <p14:creationId xmlns:p14="http://schemas.microsoft.com/office/powerpoint/2010/main" xmlns="" val="827279973"/>
       </p:ext>
     </p:extLst>
   </p:cSld>
@@ -420,7 +420,7 @@
             <a:fld id="{878212F1-C3D9-4F2B-8F42-5E960FE8BE51}" type="datetimeFigureOut">
               <a:rPr lang="ru-RU" smtClean="0"/>
               <a:pPr/>
-              <a:t>24.05.2021</a:t>
+              <a:t>22.04.2025</a:t>
             </a:fld>
             <a:endParaRPr lang="ru-RU"/>
           </a:p>
@@ -589,7 +589,7 @@
     </p:spTree>
     <p:extLst>
       <p:ext uri="{BB962C8B-B14F-4D97-AF65-F5344CB8AC3E}">
-        <p14:creationId xmlns:p14="http://schemas.microsoft.com/office/powerpoint/2010/main" val="3865021395"/>
+        <p14:creationId xmlns:p14="http://schemas.microsoft.com/office/powerpoint/2010/main" xmlns="" val="3865021395"/>
       </p:ext>
     </p:extLst>
   </p:cSld>
@@ -803,7 +803,7 @@
     </p:spTree>
     <p:extLst>
       <p:ext uri="{BB962C8B-B14F-4D97-AF65-F5344CB8AC3E}">
-        <p14:creationId xmlns:p14="http://schemas.microsoft.com/office/powerpoint/2010/main" val="2381791527"/>
+        <p14:creationId xmlns:p14="http://schemas.microsoft.com/office/powerpoint/2010/main" xmlns="" val="2381791527"/>
       </p:ext>
     </p:extLst>
   </p:cSld>
@@ -926,7 +926,7 @@
     </p:spTree>
     <p:extLst>
       <p:ext uri="{BB962C8B-B14F-4D97-AF65-F5344CB8AC3E}">
-        <p14:creationId xmlns:p14="http://schemas.microsoft.com/office/powerpoint/2010/main" val="1915950851"/>
+        <p14:creationId xmlns:p14="http://schemas.microsoft.com/office/powerpoint/2010/main" xmlns="" val="1915950851"/>
       </p:ext>
     </p:extLst>
   </p:cSld>
@@ -1186,7 +1186,7 @@
     </p:spTree>
     <p:extLst>
       <p:ext uri="{BB962C8B-B14F-4D97-AF65-F5344CB8AC3E}">
-        <p14:creationId xmlns:p14="http://schemas.microsoft.com/office/powerpoint/2010/main" val="322455162"/>
+        <p14:creationId xmlns:p14="http://schemas.microsoft.com/office/powerpoint/2010/main" xmlns="" val="322455162"/>
       </p:ext>
     </p:extLst>
   </p:cSld>
@@ -1360,7 +1360,7 @@
     </p:spTree>
     <p:extLst>
       <p:ext uri="{BB962C8B-B14F-4D97-AF65-F5344CB8AC3E}">
-        <p14:creationId xmlns:p14="http://schemas.microsoft.com/office/powerpoint/2010/main" val="971117636"/>
+        <p14:creationId xmlns:p14="http://schemas.microsoft.com/office/powerpoint/2010/main" xmlns="" val="971117636"/>
       </p:ext>
     </p:extLst>
   </p:cSld>
@@ -1537,7 +1537,7 @@
     </p:spTree>
     <p:extLst>
       <p:ext uri="{BB962C8B-B14F-4D97-AF65-F5344CB8AC3E}">
-        <p14:creationId xmlns:p14="http://schemas.microsoft.com/office/powerpoint/2010/main" val="3348877825"/>
+        <p14:creationId xmlns:p14="http://schemas.microsoft.com/office/powerpoint/2010/main" xmlns="" val="3348877825"/>
       </p:ext>
     </p:extLst>
   </p:cSld>
@@ -1862,7 +1862,7 @@
     </p:spTree>
     <p:extLst>
       <p:ext uri="{BB962C8B-B14F-4D97-AF65-F5344CB8AC3E}">
-        <p14:creationId xmlns:p14="http://schemas.microsoft.com/office/powerpoint/2010/main" val="3256953994"/>
+        <p14:creationId xmlns:p14="http://schemas.microsoft.com/office/powerpoint/2010/main" xmlns="" val="3256953994"/>
       </p:ext>
     </p:extLst>
   </p:cSld>
@@ -2112,7 +2112,7 @@
     </p:spTree>
     <p:extLst>
       <p:ext uri="{BB962C8B-B14F-4D97-AF65-F5344CB8AC3E}">
-        <p14:creationId xmlns:p14="http://schemas.microsoft.com/office/powerpoint/2010/main" val="3067076846"/>
+        <p14:creationId xmlns:p14="http://schemas.microsoft.com/office/powerpoint/2010/main" xmlns="" val="3067076846"/>
       </p:ext>
     </p:extLst>
   </p:cSld>
@@ -2348,7 +2348,7 @@
     </p:spTree>
     <p:extLst>
       <p:ext uri="{BB962C8B-B14F-4D97-AF65-F5344CB8AC3E}">
-        <p14:creationId xmlns:p14="http://schemas.microsoft.com/office/powerpoint/2010/main" val="3710015975"/>
+        <p14:creationId xmlns:p14="http://schemas.microsoft.com/office/powerpoint/2010/main" xmlns="" val="3710015975"/>
       </p:ext>
     </p:extLst>
   </p:cSld>
@@ -2719,7 +2719,7 @@
     </p:spTree>
     <p:extLst>
       <p:ext uri="{BB962C8B-B14F-4D97-AF65-F5344CB8AC3E}">
-        <p14:creationId xmlns:p14="http://schemas.microsoft.com/office/powerpoint/2010/main" val="4075590966"/>
+        <p14:creationId xmlns:p14="http://schemas.microsoft.com/office/powerpoint/2010/main" xmlns="" val="4075590966"/>
       </p:ext>
     </p:extLst>
   </p:cSld>
@@ -2841,7 +2841,7 @@
     </p:spTree>
     <p:extLst>
       <p:ext uri="{BB962C8B-B14F-4D97-AF65-F5344CB8AC3E}">
-        <p14:creationId xmlns:p14="http://schemas.microsoft.com/office/powerpoint/2010/main" val="2889604898"/>
+        <p14:creationId xmlns:p14="http://schemas.microsoft.com/office/powerpoint/2010/main" xmlns="" val="2889604898"/>
       </p:ext>
     </p:extLst>
   </p:cSld>
@@ -2940,7 +2940,7 @@
     </p:spTree>
     <p:extLst>
       <p:ext uri="{BB962C8B-B14F-4D97-AF65-F5344CB8AC3E}">
-        <p14:creationId xmlns:p14="http://schemas.microsoft.com/office/powerpoint/2010/main" val="152384765"/>
+        <p14:creationId xmlns:p14="http://schemas.microsoft.com/office/powerpoint/2010/main" xmlns="" val="152384765"/>
       </p:ext>
     </p:extLst>
   </p:cSld>
@@ -3221,7 +3221,7 @@
     </p:spTree>
     <p:extLst>
       <p:ext uri="{BB962C8B-B14F-4D97-AF65-F5344CB8AC3E}">
-        <p14:creationId xmlns:p14="http://schemas.microsoft.com/office/powerpoint/2010/main" val="2127791886"/>
+        <p14:creationId xmlns:p14="http://schemas.microsoft.com/office/powerpoint/2010/main" xmlns="" val="2127791886"/>
       </p:ext>
     </p:extLst>
   </p:cSld>
@@ -3478,7 +3478,7 @@
     </p:spTree>
     <p:extLst>
       <p:ext uri="{BB962C8B-B14F-4D97-AF65-F5344CB8AC3E}">
-        <p14:creationId xmlns:p14="http://schemas.microsoft.com/office/powerpoint/2010/main" val="1752705130"/>
+        <p14:creationId xmlns:p14="http://schemas.microsoft.com/office/powerpoint/2010/main" xmlns="" val="1752705130"/>
       </p:ext>
     </p:extLst>
   </p:cSld>
@@ -3731,7 +3731,7 @@
     </p:spTree>
     <p:extLst>
       <p:ext uri="{BB962C8B-B14F-4D97-AF65-F5344CB8AC3E}">
-        <p14:creationId xmlns:p14="http://schemas.microsoft.com/office/powerpoint/2010/main" val="968833914"/>
+        <p14:creationId xmlns:p14="http://schemas.microsoft.com/office/powerpoint/2010/main" xmlns="" val="968833914"/>
       </p:ext>
     </p:extLst>
   </p:cSld>
@@ -4213,7 +4213,7 @@
     </p:spTree>
     <p:extLst>
       <p:ext uri="{BB962C8B-B14F-4D97-AF65-F5344CB8AC3E}">
-        <p14:creationId xmlns:p14="http://schemas.microsoft.com/office/powerpoint/2010/main" val="2492894732"/>
+        <p14:creationId xmlns:p14="http://schemas.microsoft.com/office/powerpoint/2010/main" xmlns="" val="2492894732"/>
       </p:ext>
     </p:extLst>
   </p:cSld>
@@ -4873,7 +4873,7 @@
     </p:spTree>
     <p:extLst>
       <p:ext uri="{BB962C8B-B14F-4D97-AF65-F5344CB8AC3E}">
-        <p14:creationId xmlns:p14="http://schemas.microsoft.com/office/powerpoint/2010/main" val="2707664117"/>
+        <p14:creationId xmlns:p14="http://schemas.microsoft.com/office/powerpoint/2010/main" xmlns="" val="2707664117"/>
       </p:ext>
     </p:extLst>
   </p:cSld>
@@ -5044,7 +5044,7 @@
     </p:spTree>
     <p:extLst>
       <p:ext uri="{BB962C8B-B14F-4D97-AF65-F5344CB8AC3E}">
-        <p14:creationId xmlns:p14="http://schemas.microsoft.com/office/powerpoint/2010/main" val="503571275"/>
+        <p14:creationId xmlns:p14="http://schemas.microsoft.com/office/powerpoint/2010/main" xmlns="" val="503571275"/>
       </p:ext>
     </p:extLst>
   </p:cSld>
@@ -5215,7 +5215,7 @@
     </p:spTree>
     <p:extLst>
       <p:ext uri="{BB962C8B-B14F-4D97-AF65-F5344CB8AC3E}">
-        <p14:creationId xmlns:p14="http://schemas.microsoft.com/office/powerpoint/2010/main" val="1944198530"/>
+        <p14:creationId xmlns:p14="http://schemas.microsoft.com/office/powerpoint/2010/main" xmlns="" val="1944198530"/>
       </p:ext>
     </p:extLst>
   </p:cSld>
@@ -6413,7 +6413,7 @@
     </p:spTree>
     <p:extLst>
       <p:ext uri="{BB962C8B-B14F-4D97-AF65-F5344CB8AC3E}">
-        <p14:creationId xmlns:p14="http://schemas.microsoft.com/office/powerpoint/2010/main" val="1683275758"/>
+        <p14:creationId xmlns:p14="http://schemas.microsoft.com/office/powerpoint/2010/main" xmlns="" val="1683275758"/>
       </p:ext>
     </p:extLst>
   </p:cSld>
@@ -6624,7 +6624,7 @@
     </p:spTree>
     <p:extLst>
       <p:ext uri="{BB962C8B-B14F-4D97-AF65-F5344CB8AC3E}">
-        <p14:creationId xmlns:p14="http://schemas.microsoft.com/office/powerpoint/2010/main" val="3485351284"/>
+        <p14:creationId xmlns:p14="http://schemas.microsoft.com/office/powerpoint/2010/main" xmlns="" val="3485351284"/>
       </p:ext>
     </p:extLst>
   </p:cSld>
@@ -6826,7 +6826,7 @@
     </p:spTree>
     <p:extLst>
       <p:ext uri="{BB962C8B-B14F-4D97-AF65-F5344CB8AC3E}">
-        <p14:creationId xmlns:p14="http://schemas.microsoft.com/office/powerpoint/2010/main" val="521678369"/>
+        <p14:creationId xmlns:p14="http://schemas.microsoft.com/office/powerpoint/2010/main" xmlns="" val="521678369"/>
       </p:ext>
     </p:extLst>
   </p:cSld>
@@ -7015,7 +7015,7 @@
     </p:spTree>
     <p:extLst>
       <p:ext uri="{BB962C8B-B14F-4D97-AF65-F5344CB8AC3E}">
-        <p14:creationId xmlns:p14="http://schemas.microsoft.com/office/powerpoint/2010/main" val="2041610727"/>
+        <p14:creationId xmlns:p14="http://schemas.microsoft.com/office/powerpoint/2010/main" xmlns="" val="2041610727"/>
       </p:ext>
     </p:extLst>
   </p:cSld>
@@ -7545,7 +7545,7 @@
                   <a:srgbClr val="2F5CB5"/>
                 </a:solidFill>
               </a:rPr>
-              <a:t>Hard link</a:t>
+              <a:t>Soft link</a:t>
             </a:r>
             <a:endParaRPr lang="en-US" sz="2400" b="1" dirty="0">
               <a:solidFill>
@@ -7636,7 +7636,7 @@
     </p:spTree>
     <p:extLst>
       <p:ext uri="{BB962C8B-B14F-4D97-AF65-F5344CB8AC3E}">
-        <p14:creationId xmlns:p14="http://schemas.microsoft.com/office/powerpoint/2010/main" val="3513916660"/>
+        <p14:creationId xmlns:p14="http://schemas.microsoft.com/office/powerpoint/2010/main" xmlns="" val="3513916660"/>
       </p:ext>
     </p:extLst>
   </p:cSld>
@@ -8109,7 +8109,7 @@
     </p:spTree>
     <p:extLst>
       <p:ext uri="{BB962C8B-B14F-4D97-AF65-F5344CB8AC3E}">
-        <p14:creationId xmlns:p14="http://schemas.microsoft.com/office/powerpoint/2010/main" val="2995188776"/>
+        <p14:creationId xmlns:p14="http://schemas.microsoft.com/office/powerpoint/2010/main" xmlns="" val="2995188776"/>
       </p:ext>
     </p:extLst>
   </p:cSld>
@@ -8634,7 +8634,7 @@
     </p:spTree>
     <p:extLst>
       <p:ext uri="{BB962C8B-B14F-4D97-AF65-F5344CB8AC3E}">
-        <p14:creationId xmlns:p14="http://schemas.microsoft.com/office/powerpoint/2010/main" val="4217875043"/>
+        <p14:creationId xmlns:p14="http://schemas.microsoft.com/office/powerpoint/2010/main" xmlns="" val="4217875043"/>
       </p:ext>
     </p:extLst>
   </p:cSld>
@@ -8807,7 +8807,7 @@
     </p:spTree>
     <p:extLst>
       <p:ext uri="{BB962C8B-B14F-4D97-AF65-F5344CB8AC3E}">
-        <p14:creationId xmlns:p14="http://schemas.microsoft.com/office/powerpoint/2010/main" val="3343169870"/>
+        <p14:creationId xmlns:p14="http://schemas.microsoft.com/office/powerpoint/2010/main" xmlns="" val="3343169870"/>
       </p:ext>
     </p:extLst>
   </p:cSld>
@@ -9092,12 +9092,36 @@
           </a:p>
           <a:p>
             <a:r>
+              <a:rPr lang="en-US" sz="2400" b="1" dirty="0" smtClean="0">
+                <a:solidFill>
+                  <a:srgbClr val="F7B217"/>
+                </a:solidFill>
+              </a:rPr>
+              <a:t>rdavydov:x:1000:100</a:t>
+            </a:r>
+            <a:r>
+              <a:rPr lang="ru-RU" sz="2400" b="1" dirty="0" smtClean="0">
+                <a:solidFill>
+                  <a:srgbClr val="F7B217"/>
+                </a:solidFill>
+              </a:rPr>
+              <a:t>0</a:t>
+            </a:r>
+            <a:r>
+              <a:rPr lang="en-US" sz="2400" b="1" dirty="0" smtClean="0">
+                <a:solidFill>
+                  <a:srgbClr val="F7B217"/>
+                </a:solidFill>
+              </a:rPr>
+              <a:t>::/</a:t>
+            </a:r>
+            <a:r>
               <a:rPr lang="en-US" sz="2400" b="1" dirty="0">
                 <a:solidFill>
                   <a:srgbClr val="F7B217"/>
                 </a:solidFill>
               </a:rPr>
-              <a:t>rdavydov:x:1000:1001::/home/</a:t>
+              <a:t>home/</a:t>
             </a:r>
             <a:r>
               <a:rPr lang="en-US" sz="2400" b="1" dirty="0" err="1">
@@ -9118,12 +9142,36 @@
           </a:p>
           <a:p>
             <a:r>
+              <a:rPr lang="en-US" sz="2400" b="1" dirty="0" smtClean="0">
+                <a:solidFill>
+                  <a:srgbClr val="F7B217"/>
+                </a:solidFill>
+              </a:rPr>
+              <a:t>tatarnikov:x:1001:100</a:t>
+            </a:r>
+            <a:r>
+              <a:rPr lang="ru-RU" sz="2400" b="1" dirty="0" smtClean="0">
+                <a:solidFill>
+                  <a:srgbClr val="F7B217"/>
+                </a:solidFill>
+              </a:rPr>
+              <a:t>1</a:t>
+            </a:r>
+            <a:r>
+              <a:rPr lang="en-US" sz="2400" b="1" dirty="0" smtClean="0">
+                <a:solidFill>
+                  <a:srgbClr val="F7B217"/>
+                </a:solidFill>
+              </a:rPr>
+              <a:t>:,,,:/</a:t>
+            </a:r>
+            <a:r>
               <a:rPr lang="en-US" sz="2400" b="1" dirty="0">
                 <a:solidFill>
                   <a:srgbClr val="F7B217"/>
                 </a:solidFill>
               </a:rPr>
-              <a:t>tatarnikov:x:1001:1002:,,,:/home/</a:t>
+              <a:t>home/</a:t>
             </a:r>
             <a:r>
               <a:rPr lang="en-US" sz="2400" b="1" dirty="0" err="1">
@@ -9144,12 +9192,36 @@
           </a:p>
           <a:p>
             <a:r>
+              <a:rPr lang="en-US" sz="2400" b="1" dirty="0" smtClean="0">
+                <a:solidFill>
+                  <a:srgbClr val="F7B217"/>
+                </a:solidFill>
+              </a:rPr>
+              <a:t>chgena:x:1002:100</a:t>
+            </a:r>
+            <a:r>
+              <a:rPr lang="ru-RU" sz="2400" b="1" dirty="0" smtClean="0">
+                <a:solidFill>
+                  <a:srgbClr val="F7B217"/>
+                </a:solidFill>
+              </a:rPr>
+              <a:t>2</a:t>
+            </a:r>
+            <a:r>
+              <a:rPr lang="en-US" sz="2400" b="1" dirty="0" smtClean="0">
+                <a:solidFill>
+                  <a:srgbClr val="F7B217"/>
+                </a:solidFill>
+              </a:rPr>
+              <a:t>:,,,:/</a:t>
+            </a:r>
+            <a:r>
               <a:rPr lang="en-US" sz="2400" b="1" dirty="0">
                 <a:solidFill>
                   <a:srgbClr val="F7B217"/>
                 </a:solidFill>
               </a:rPr>
-              <a:t>chgena:x:1002:1003:,,,:/home/</a:t>
+              <a:t>home/</a:t>
             </a:r>
             <a:r>
               <a:rPr lang="en-US" sz="2400" b="1" dirty="0" err="1">
@@ -9173,7 +9245,7 @@
     </p:spTree>
     <p:extLst>
       <p:ext uri="{BB962C8B-B14F-4D97-AF65-F5344CB8AC3E}">
-        <p14:creationId xmlns:p14="http://schemas.microsoft.com/office/powerpoint/2010/main" val="748968562"/>
+        <p14:creationId xmlns:p14="http://schemas.microsoft.com/office/powerpoint/2010/main" xmlns="" val="748968562"/>
       </p:ext>
     </p:extLst>
   </p:cSld>
@@ -9248,11 +9320,7 @@
             </a:r>
             <a:r>
               <a:rPr lang="en-US" dirty="0" smtClean="0"/>
-              <a:t> </a:t>
-            </a:r>
-            <a:r>
-              <a:rPr lang="en-US" dirty="0" smtClean="0"/>
-              <a:t>(though this is not fixed)</a:t>
+              <a:t> (though this is not fixed)</a:t>
             </a:r>
           </a:p>
           <a:p>
@@ -9267,11 +9335,7 @@
             </a:r>
             <a:r>
               <a:rPr lang="en-US" dirty="0" smtClean="0"/>
-              <a:t>rocesses run </a:t>
-            </a:r>
-            <a:r>
-              <a:rPr lang="en-US" dirty="0" smtClean="0"/>
-              <a:t>by </a:t>
+              <a:t>rocesses run by </a:t>
             </a:r>
             <a:r>
               <a:rPr lang="en-US" b="1" dirty="0" smtClean="0"/>
@@ -9279,15 +9343,7 @@
             </a:r>
             <a:r>
               <a:rPr lang="en-US" dirty="0" smtClean="0"/>
-              <a:t> </a:t>
-            </a:r>
-            <a:r>
-              <a:rPr lang="en-US" dirty="0" smtClean="0"/>
-              <a:t>have no </a:t>
-            </a:r>
-            <a:r>
-              <a:rPr lang="en-US" dirty="0" smtClean="0"/>
-              <a:t>access control limitations (can do everything)</a:t>
+              <a:t> have no access control limitations (can do everything)</a:t>
             </a:r>
             <a:endParaRPr lang="en-US" dirty="0"/>
           </a:p>
@@ -9344,7 +9400,7 @@
     </p:spTree>
     <p:extLst>
       <p:ext uri="{BB962C8B-B14F-4D97-AF65-F5344CB8AC3E}">
-        <p14:creationId xmlns:p14="http://schemas.microsoft.com/office/powerpoint/2010/main" val="113659813"/>
+        <p14:creationId xmlns:p14="http://schemas.microsoft.com/office/powerpoint/2010/main" xmlns="" val="113659813"/>
       </p:ext>
     </p:extLst>
   </p:cSld>
@@ -9607,7 +9663,7 @@
     </p:spTree>
     <p:extLst>
       <p:ext uri="{BB962C8B-B14F-4D97-AF65-F5344CB8AC3E}">
-        <p14:creationId xmlns:p14="http://schemas.microsoft.com/office/powerpoint/2010/main" val="3837891362"/>
+        <p14:creationId xmlns:p14="http://schemas.microsoft.com/office/powerpoint/2010/main" xmlns="" val="3837891362"/>
       </p:ext>
     </p:extLst>
   </p:cSld>
@@ -9844,7 +9900,7 @@
     </p:spTree>
     <p:extLst>
       <p:ext uri="{BB962C8B-B14F-4D97-AF65-F5344CB8AC3E}">
-        <p14:creationId xmlns:p14="http://schemas.microsoft.com/office/powerpoint/2010/main" val="1310036905"/>
+        <p14:creationId xmlns:p14="http://schemas.microsoft.com/office/powerpoint/2010/main" xmlns="" val="1310036905"/>
       </p:ext>
     </p:extLst>
   </p:cSld>
@@ -10065,7 +10121,7 @@
     </p:spTree>
     <p:extLst>
       <p:ext uri="{BB962C8B-B14F-4D97-AF65-F5344CB8AC3E}">
-        <p14:creationId xmlns:p14="http://schemas.microsoft.com/office/powerpoint/2010/main" val="3985296545"/>
+        <p14:creationId xmlns:p14="http://schemas.microsoft.com/office/powerpoint/2010/main" xmlns="" val="3985296545"/>
       </p:ext>
     </p:extLst>
   </p:cSld>
@@ -10266,7 +10322,7 @@
     </p:spTree>
     <p:extLst>
       <p:ext uri="{BB962C8B-B14F-4D97-AF65-F5344CB8AC3E}">
-        <p14:creationId xmlns:p14="http://schemas.microsoft.com/office/powerpoint/2010/main" val="524659839"/>
+        <p14:creationId xmlns:p14="http://schemas.microsoft.com/office/powerpoint/2010/main" xmlns="" val="524659839"/>
       </p:ext>
     </p:extLst>
   </p:cSld>
@@ -10583,7 +10639,7 @@
     </p:spTree>
     <p:extLst>
       <p:ext uri="{BB962C8B-B14F-4D97-AF65-F5344CB8AC3E}">
-        <p14:creationId xmlns:p14="http://schemas.microsoft.com/office/powerpoint/2010/main" val="1084160374"/>
+        <p14:creationId xmlns:p14="http://schemas.microsoft.com/office/powerpoint/2010/main" xmlns="" val="1084160374"/>
       </p:ext>
     </p:extLst>
   </p:cSld>
@@ -10875,7 +10931,7 @@
   <a:extraClrSchemeLst/>
   <a:extLst>
     <a:ext uri="{05A4C25C-085E-4340-85A3-A5531E510DB2}">
-      <thm15:themeFamily xmlns:thm15="http://schemas.microsoft.com/office/thememl/2012/main" name="Office Theme" id="{62F939B6-93AF-4DB8-9C6B-D6C7DFDC589F}" vid="{4A3C46E8-61CC-4603-A589-7422A47A8E4A}"/>
+      <thm15:themeFamily xmlns:thm15="http://schemas.microsoft.com/office/thememl/2012/main" xmlns="" name="Office Theme" id="{62F939B6-93AF-4DB8-9C6B-D6C7DFDC589F}" vid="{4A3C46E8-61CC-4603-A589-7422A47A8E4A}"/>
     </a:ext>
   </a:extLst>
 </a:theme>
@@ -11136,7 +11192,7 @@
   <a:extraClrSchemeLst/>
   <a:extLst>
     <a:ext uri="{05A4C25C-085E-4340-85A3-A5531E510DB2}">
-      <thm15:themeFamily xmlns:thm15="http://schemas.microsoft.com/office/thememl/2012/main" name="Office Theme" id="{62F939B6-93AF-4DB8-9C6B-D6C7DFDC589F}" vid="{4A3C46E8-61CC-4603-A589-7422A47A8E4A}"/>
+      <thm15:themeFamily xmlns:thm15="http://schemas.microsoft.com/office/thememl/2012/main" xmlns="" name="Office Theme" id="{62F939B6-93AF-4DB8-9C6B-D6C7DFDC589F}" vid="{4A3C46E8-61CC-4603-A589-7422A47A8E4A}"/>
     </a:ext>
   </a:extLst>
 </a:theme>
@@ -11397,7 +11453,7 @@
   <a:extraClrSchemeLst/>
   <a:extLst>
     <a:ext uri="{05A4C25C-085E-4340-85A3-A5531E510DB2}">
-      <thm15:themeFamily xmlns:thm15="http://schemas.microsoft.com/office/thememl/2012/main" name="Office Theme" id="{62F939B6-93AF-4DB8-9C6B-D6C7DFDC589F}" vid="{4A3C46E8-61CC-4603-A589-7422A47A8E4A}"/>
+      <thm15:themeFamily xmlns:thm15="http://schemas.microsoft.com/office/thememl/2012/main" xmlns="" name="Office Theme" id="{62F939B6-93AF-4DB8-9C6B-D6C7DFDC589F}" vid="{4A3C46E8-61CC-4603-A589-7422A47A8E4A}"/>
     </a:ext>
   </a:extLst>
 </a:theme>
